--- a/Prezentace/Prezentace2.pptx
+++ b/Prezentace/Prezentace2.pptx
@@ -3423,11 +3423,7 @@
             </a:br>
             <a:r>
               <a:rPr lang="cs-CZ" sz="5400" dirty="0" smtClean="0"/>
-              <a:t>prezentace </a:t>
-            </a:r>
-            <a:r>
-              <a:rPr lang="cs-CZ" sz="5400" dirty="0" smtClean="0"/>
-              <a:t>předmětu OS</a:t>
+              <a:t>prezentace předmětu OS</a:t>
             </a:r>
             <a:endParaRPr lang="cs-CZ" sz="5400" dirty="0"/>
           </a:p>
@@ -3524,11 +3520,15 @@
           <a:p>
             <a:r>
               <a:rPr lang="cs-CZ" dirty="0" smtClean="0"/>
-              <a:t>Co </a:t>
+              <a:t>Co JSME </a:t>
             </a:r>
             <a:r>
               <a:rPr lang="cs-CZ" dirty="0" smtClean="0"/>
-              <a:t>JSME měli?</a:t>
+              <a:t>už měli</a:t>
+            </a:r>
+            <a:r>
+              <a:rPr lang="cs-CZ" dirty="0" smtClean="0"/>
+              <a:t>?</a:t>
             </a:r>
             <a:endParaRPr lang="cs-CZ" dirty="0"/>
           </a:p>
@@ -3940,7 +3940,6 @@
               <a:rPr lang="cs-CZ" dirty="0" smtClean="0"/>
               <a:t>Vytvoření projektu ve Visual Studiu</a:t>
             </a:r>
-            <a:endParaRPr lang="cs-CZ" dirty="0" smtClean="0"/>
           </a:p>
           <a:p>
             <a:r>
@@ -3949,6 +3948,22 @@
             </a:r>
           </a:p>
           <a:p>
+            <a:r>
+              <a:rPr lang="cs-CZ" dirty="0" smtClean="0"/>
+              <a:t>Switch </a:t>
+            </a:r>
+            <a:r>
+              <a:rPr lang="en-US" dirty="0" smtClean="0"/>
+              <a:t>-&gt; Pole </a:t>
+            </a:r>
+            <a:r>
+              <a:rPr lang="en-US" dirty="0" err="1" smtClean="0"/>
+              <a:t>ukazatel</a:t>
+            </a:r>
+            <a:r>
+              <a:rPr lang="cs-CZ" dirty="0" smtClean="0"/>
+              <a:t>ů na funkce</a:t>
+            </a:r>
             <a:endParaRPr lang="cs-CZ" dirty="0"/>
           </a:p>
         </p:txBody>
@@ -4028,7 +4043,497 @@
           <a:bodyPr/>
           <a:lstStyle/>
           <a:p>
+            <a:r>
+              <a:rPr lang="cs-CZ" dirty="0" smtClean="0"/>
+              <a:t>Špatné materiály</a:t>
+            </a:r>
+          </a:p>
+          <a:p>
+            <a:r>
+              <a:rPr lang="cs-CZ" dirty="0" smtClean="0"/>
+              <a:t>Oldschool technologie</a:t>
+            </a:r>
+          </a:p>
+          <a:p>
+            <a:r>
+              <a:rPr lang="cs-CZ" dirty="0" smtClean="0"/>
+              <a:t>Strmá křivka učení</a:t>
+            </a:r>
+          </a:p>
+          <a:p>
             <a:endParaRPr lang="cs-CZ" dirty="0"/>
+          </a:p>
+        </p:txBody>
+      </p:sp>
+      <p:pic>
+        <p:nvPicPr>
+          <p:cNvPr id="1026" name="Picture 2" descr="C:\Users\Jakub\Documents\OS\Prezentace\Výstřižek.PNG"/>
+          <p:cNvPicPr>
+            <a:picLocks noChangeAspect="1" noChangeArrowheads="1"/>
+          </p:cNvPicPr>
+          <p:nvPr/>
+        </p:nvPicPr>
+        <p:blipFill>
+          <a:blip r:embed="rId2">
+            <a:extLst>
+              <a:ext uri="{28A0092B-C50C-407E-A947-70E740481C1C}">
+                <a14:useLocalDpi xmlns:a14="http://schemas.microsoft.com/office/drawing/2010/main" val="0"/>
+              </a:ext>
+            </a:extLst>
+          </a:blip>
+          <a:srcRect/>
+          <a:stretch>
+            <a:fillRect/>
+          </a:stretch>
+        </p:blipFill>
+        <p:spPr bwMode="auto">
+          <a:xfrm>
+            <a:off x="3627937" y="1628800"/>
+            <a:ext cx="5369469" cy="3240360"/>
+          </a:xfrm>
+          <a:prstGeom prst="rect">
+            <a:avLst/>
+          </a:prstGeom>
+          <a:noFill/>
+          <a:extLst>
+            <a:ext uri="{909E8E84-426E-40DD-AFC4-6F175D3DCCD1}">
+              <a14:hiddenFill xmlns:a14="http://schemas.microsoft.com/office/drawing/2010/main">
+                <a:solidFill>
+                  <a:srgbClr val="FFFFFF"/>
+                </a:solidFill>
+              </a14:hiddenFill>
+            </a:ext>
+          </a:extLst>
+        </p:spPr>
+      </p:pic>
+      <p:pic>
+        <p:nvPicPr>
+          <p:cNvPr id="1027" name="Picture 3" descr="C:\Users\Jakub\Documents\OS\Prezentace\Výstřižek2.PNG"/>
+          <p:cNvPicPr>
+            <a:picLocks noChangeAspect="1" noChangeArrowheads="1"/>
+          </p:cNvPicPr>
+          <p:nvPr/>
+        </p:nvPicPr>
+        <p:blipFill>
+          <a:blip r:embed="rId3" cstate="print">
+            <a:extLst>
+              <a:ext uri="{28A0092B-C50C-407E-A947-70E740481C1C}">
+                <a14:useLocalDpi xmlns:a14="http://schemas.microsoft.com/office/drawing/2010/main" val="0"/>
+              </a:ext>
+            </a:extLst>
+          </a:blip>
+          <a:srcRect/>
+          <a:stretch>
+            <a:fillRect/>
+          </a:stretch>
+        </p:blipFill>
+        <p:spPr bwMode="auto">
+          <a:xfrm>
+            <a:off x="539552" y="4293096"/>
+            <a:ext cx="1559859" cy="2017588"/>
+          </a:xfrm>
+          <a:prstGeom prst="rect">
+            <a:avLst/>
+          </a:prstGeom>
+          <a:noFill/>
+          <a:extLst>
+            <a:ext uri="{909E8E84-426E-40DD-AFC4-6F175D3DCCD1}">
+              <a14:hiddenFill xmlns:a14="http://schemas.microsoft.com/office/drawing/2010/main">
+                <a:solidFill>
+                  <a:srgbClr val="FFFFFF"/>
+                </a:solidFill>
+              </a14:hiddenFill>
+            </a:ext>
+          </a:extLst>
+        </p:spPr>
+      </p:pic>
+      <p:cxnSp>
+        <p:nvCxnSpPr>
+          <p:cNvPr id="5" name="Straight Arrow Connector 4"/>
+          <p:cNvCxnSpPr/>
+          <p:nvPr/>
+        </p:nvCxnSpPr>
+        <p:spPr>
+          <a:xfrm>
+            <a:off x="2627784" y="5589240"/>
+            <a:ext cx="2304256" cy="0"/>
+          </a:xfrm>
+          <a:prstGeom prst="straightConnector1">
+            <a:avLst/>
+          </a:prstGeom>
+          <a:ln>
+            <a:tailEnd type="arrow"/>
+          </a:ln>
+        </p:spPr>
+        <p:style>
+          <a:lnRef idx="1">
+            <a:schemeClr val="accent1"/>
+          </a:lnRef>
+          <a:fillRef idx="0">
+            <a:schemeClr val="accent1"/>
+          </a:fillRef>
+          <a:effectRef idx="0">
+            <a:schemeClr val="accent1"/>
+          </a:effectRef>
+          <a:fontRef idx="minor">
+            <a:schemeClr val="tx1"/>
+          </a:fontRef>
+        </p:style>
+      </p:cxnSp>
+      <p:cxnSp>
+        <p:nvCxnSpPr>
+          <p:cNvPr id="8" name="Straight Arrow Connector 7"/>
+          <p:cNvCxnSpPr/>
+          <p:nvPr/>
+        </p:nvCxnSpPr>
+        <p:spPr>
+          <a:xfrm flipV="1">
+            <a:off x="2627784" y="3645024"/>
+            <a:ext cx="0" cy="1944216"/>
+          </a:xfrm>
+          <a:prstGeom prst="straightConnector1">
+            <a:avLst/>
+          </a:prstGeom>
+          <a:ln>
+            <a:tailEnd type="arrow"/>
+          </a:ln>
+        </p:spPr>
+        <p:style>
+          <a:lnRef idx="1">
+            <a:schemeClr val="accent1"/>
+          </a:lnRef>
+          <a:fillRef idx="0">
+            <a:schemeClr val="accent1"/>
+          </a:fillRef>
+          <a:effectRef idx="0">
+            <a:schemeClr val="accent1"/>
+          </a:effectRef>
+          <a:fontRef idx="minor">
+            <a:schemeClr val="tx1"/>
+          </a:fontRef>
+        </p:style>
+      </p:cxnSp>
+      <p:sp>
+        <p:nvSpPr>
+          <p:cNvPr id="12" name="Freeform 11"/>
+          <p:cNvSpPr/>
+          <p:nvPr/>
+        </p:nvSpPr>
+        <p:spPr>
+          <a:xfrm>
+            <a:off x="2616200" y="4965700"/>
+            <a:ext cx="2125133" cy="622300"/>
+          </a:xfrm>
+          <a:custGeom>
+            <a:avLst/>
+            <a:gdLst>
+              <a:gd name="connsiteX0" fmla="*/ 0 w 2125133"/>
+              <a:gd name="connsiteY0" fmla="*/ 1388533 h 1388533"/>
+              <a:gd name="connsiteX1" fmla="*/ 143933 w 2125133"/>
+              <a:gd name="connsiteY1" fmla="*/ 762000 h 1388533"/>
+              <a:gd name="connsiteX2" fmla="*/ 355600 w 2125133"/>
+              <a:gd name="connsiteY2" fmla="*/ 313266 h 1388533"/>
+              <a:gd name="connsiteX3" fmla="*/ 635000 w 2125133"/>
+              <a:gd name="connsiteY3" fmla="*/ 160866 h 1388533"/>
+              <a:gd name="connsiteX4" fmla="*/ 1219200 w 2125133"/>
+              <a:gd name="connsiteY4" fmla="*/ 67733 h 1388533"/>
+              <a:gd name="connsiteX5" fmla="*/ 2125133 w 2125133"/>
+              <a:gd name="connsiteY5" fmla="*/ 0 h 1388533"/>
+              <a:gd name="connsiteX0" fmla="*/ 0 w 2125133"/>
+              <a:gd name="connsiteY0" fmla="*/ 1388533 h 1388533"/>
+              <a:gd name="connsiteX1" fmla="*/ 93133 w 2125133"/>
+              <a:gd name="connsiteY1" fmla="*/ 724215 h 1388533"/>
+              <a:gd name="connsiteX2" fmla="*/ 355600 w 2125133"/>
+              <a:gd name="connsiteY2" fmla="*/ 313266 h 1388533"/>
+              <a:gd name="connsiteX3" fmla="*/ 635000 w 2125133"/>
+              <a:gd name="connsiteY3" fmla="*/ 160866 h 1388533"/>
+              <a:gd name="connsiteX4" fmla="*/ 1219200 w 2125133"/>
+              <a:gd name="connsiteY4" fmla="*/ 67733 h 1388533"/>
+              <a:gd name="connsiteX5" fmla="*/ 2125133 w 2125133"/>
+              <a:gd name="connsiteY5" fmla="*/ 0 h 1388533"/>
+              <a:gd name="connsiteX0" fmla="*/ 0 w 2125133"/>
+              <a:gd name="connsiteY0" fmla="*/ 1388533 h 1388533"/>
+              <a:gd name="connsiteX1" fmla="*/ 102658 w 2125133"/>
+              <a:gd name="connsiteY1" fmla="*/ 667540 h 1388533"/>
+              <a:gd name="connsiteX2" fmla="*/ 355600 w 2125133"/>
+              <a:gd name="connsiteY2" fmla="*/ 313266 h 1388533"/>
+              <a:gd name="connsiteX3" fmla="*/ 635000 w 2125133"/>
+              <a:gd name="connsiteY3" fmla="*/ 160866 h 1388533"/>
+              <a:gd name="connsiteX4" fmla="*/ 1219200 w 2125133"/>
+              <a:gd name="connsiteY4" fmla="*/ 67733 h 1388533"/>
+              <a:gd name="connsiteX5" fmla="*/ 2125133 w 2125133"/>
+              <a:gd name="connsiteY5" fmla="*/ 0 h 1388533"/>
+              <a:gd name="connsiteX0" fmla="*/ 0 w 2125133"/>
+              <a:gd name="connsiteY0" fmla="*/ 1388533 h 1388533"/>
+              <a:gd name="connsiteX1" fmla="*/ 102658 w 2125133"/>
+              <a:gd name="connsiteY1" fmla="*/ 667540 h 1388533"/>
+              <a:gd name="connsiteX2" fmla="*/ 311150 w 2125133"/>
+              <a:gd name="connsiteY2" fmla="*/ 263676 h 1388533"/>
+              <a:gd name="connsiteX3" fmla="*/ 635000 w 2125133"/>
+              <a:gd name="connsiteY3" fmla="*/ 160866 h 1388533"/>
+              <a:gd name="connsiteX4" fmla="*/ 1219200 w 2125133"/>
+              <a:gd name="connsiteY4" fmla="*/ 67733 h 1388533"/>
+              <a:gd name="connsiteX5" fmla="*/ 2125133 w 2125133"/>
+              <a:gd name="connsiteY5" fmla="*/ 0 h 1388533"/>
+              <a:gd name="connsiteX0" fmla="*/ 0 w 2125133"/>
+              <a:gd name="connsiteY0" fmla="*/ 1388533 h 1388533"/>
+              <a:gd name="connsiteX1" fmla="*/ 102658 w 2125133"/>
+              <a:gd name="connsiteY1" fmla="*/ 667540 h 1388533"/>
+              <a:gd name="connsiteX2" fmla="*/ 311150 w 2125133"/>
+              <a:gd name="connsiteY2" fmla="*/ 263676 h 1388533"/>
+              <a:gd name="connsiteX3" fmla="*/ 635000 w 2125133"/>
+              <a:gd name="connsiteY3" fmla="*/ 160866 h 1388533"/>
+              <a:gd name="connsiteX4" fmla="*/ 1219200 w 2125133"/>
+              <a:gd name="connsiteY4" fmla="*/ 67733 h 1388533"/>
+              <a:gd name="connsiteX5" fmla="*/ 2125133 w 2125133"/>
+              <a:gd name="connsiteY5" fmla="*/ 0 h 1388533"/>
+              <a:gd name="connsiteX0" fmla="*/ 0 w 2125133"/>
+              <a:gd name="connsiteY0" fmla="*/ 1388533 h 1388533"/>
+              <a:gd name="connsiteX1" fmla="*/ 74083 w 2125133"/>
+              <a:gd name="connsiteY1" fmla="*/ 695877 h 1388533"/>
+              <a:gd name="connsiteX2" fmla="*/ 311150 w 2125133"/>
+              <a:gd name="connsiteY2" fmla="*/ 263676 h 1388533"/>
+              <a:gd name="connsiteX3" fmla="*/ 635000 w 2125133"/>
+              <a:gd name="connsiteY3" fmla="*/ 160866 h 1388533"/>
+              <a:gd name="connsiteX4" fmla="*/ 1219200 w 2125133"/>
+              <a:gd name="connsiteY4" fmla="*/ 67733 h 1388533"/>
+              <a:gd name="connsiteX5" fmla="*/ 2125133 w 2125133"/>
+              <a:gd name="connsiteY5" fmla="*/ 0 h 1388533"/>
+              <a:gd name="connsiteX0" fmla="*/ 0 w 2125133"/>
+              <a:gd name="connsiteY0" fmla="*/ 1388533 h 1388533"/>
+              <a:gd name="connsiteX1" fmla="*/ 99483 w 2125133"/>
+              <a:gd name="connsiteY1" fmla="*/ 695877 h 1388533"/>
+              <a:gd name="connsiteX2" fmla="*/ 311150 w 2125133"/>
+              <a:gd name="connsiteY2" fmla="*/ 263676 h 1388533"/>
+              <a:gd name="connsiteX3" fmla="*/ 635000 w 2125133"/>
+              <a:gd name="connsiteY3" fmla="*/ 160866 h 1388533"/>
+              <a:gd name="connsiteX4" fmla="*/ 1219200 w 2125133"/>
+              <a:gd name="connsiteY4" fmla="*/ 67733 h 1388533"/>
+              <a:gd name="connsiteX5" fmla="*/ 2125133 w 2125133"/>
+              <a:gd name="connsiteY5" fmla="*/ 0 h 1388533"/>
+            </a:gdLst>
+            <a:ahLst/>
+            <a:cxnLst>
+              <a:cxn ang="0">
+                <a:pos x="connsiteX0" y="connsiteY0"/>
+              </a:cxn>
+              <a:cxn ang="0">
+                <a:pos x="connsiteX1" y="connsiteY1"/>
+              </a:cxn>
+              <a:cxn ang="0">
+                <a:pos x="connsiteX2" y="connsiteY2"/>
+              </a:cxn>
+              <a:cxn ang="0">
+                <a:pos x="connsiteX3" y="connsiteY3"/>
+              </a:cxn>
+              <a:cxn ang="0">
+                <a:pos x="connsiteX4" y="connsiteY4"/>
+              </a:cxn>
+              <a:cxn ang="0">
+                <a:pos x="connsiteX5" y="connsiteY5"/>
+              </a:cxn>
+            </a:cxnLst>
+            <a:rect l="l" t="t" r="r" b="b"/>
+            <a:pathLst>
+              <a:path w="2125133" h="1388533">
+                <a:moveTo>
+                  <a:pt x="0" y="1388533"/>
+                </a:moveTo>
+                <a:cubicBezTo>
+                  <a:pt x="42333" y="1164872"/>
+                  <a:pt x="34925" y="1003786"/>
+                  <a:pt x="99483" y="695877"/>
+                </a:cubicBezTo>
+                <a:cubicBezTo>
+                  <a:pt x="164041" y="387968"/>
+                  <a:pt x="221897" y="352845"/>
+                  <a:pt x="311150" y="263676"/>
+                </a:cubicBezTo>
+                <a:cubicBezTo>
+                  <a:pt x="400403" y="174508"/>
+                  <a:pt x="483658" y="193523"/>
+                  <a:pt x="635000" y="160866"/>
+                </a:cubicBezTo>
+                <a:cubicBezTo>
+                  <a:pt x="786342" y="128209"/>
+                  <a:pt x="970845" y="94544"/>
+                  <a:pt x="1219200" y="67733"/>
+                </a:cubicBezTo>
+                <a:cubicBezTo>
+                  <a:pt x="1467555" y="40922"/>
+                  <a:pt x="1965678" y="21167"/>
+                  <a:pt x="2125133" y="0"/>
+                </a:cubicBezTo>
+              </a:path>
+            </a:pathLst>
+          </a:custGeom>
+        </p:spPr>
+        <p:style>
+          <a:lnRef idx="3">
+            <a:schemeClr val="accent5"/>
+          </a:lnRef>
+          <a:fillRef idx="0">
+            <a:schemeClr val="accent5"/>
+          </a:fillRef>
+          <a:effectRef idx="2">
+            <a:schemeClr val="accent5"/>
+          </a:effectRef>
+          <a:fontRef idx="minor">
+            <a:schemeClr val="tx1"/>
+          </a:fontRef>
+        </p:style>
+        <p:txBody>
+          <a:bodyPr rtlCol="0" anchor="ctr"/>
+          <a:lstStyle/>
+          <a:p>
+            <a:pPr algn="ctr"/>
+            <a:endParaRPr lang="cs-CZ"/>
+          </a:p>
+        </p:txBody>
+      </p:sp>
+      <p:sp>
+        <p:nvSpPr>
+          <p:cNvPr id="15" name="Freeform 14"/>
+          <p:cNvSpPr/>
+          <p:nvPr/>
+        </p:nvSpPr>
+        <p:spPr>
+          <a:xfrm>
+            <a:off x="2624667" y="4343400"/>
+            <a:ext cx="2252133" cy="1244600"/>
+          </a:xfrm>
+          <a:custGeom>
+            <a:avLst/>
+            <a:gdLst>
+              <a:gd name="connsiteX0" fmla="*/ 0 w 2252133"/>
+              <a:gd name="connsiteY0" fmla="*/ 1244600 h 1244600"/>
+              <a:gd name="connsiteX1" fmla="*/ 762000 w 2252133"/>
+              <a:gd name="connsiteY1" fmla="*/ 846667 h 1244600"/>
+              <a:gd name="connsiteX2" fmla="*/ 1515533 w 2252133"/>
+              <a:gd name="connsiteY2" fmla="*/ 397933 h 1244600"/>
+              <a:gd name="connsiteX3" fmla="*/ 2252133 w 2252133"/>
+              <a:gd name="connsiteY3" fmla="*/ 0 h 1244600"/>
+            </a:gdLst>
+            <a:ahLst/>
+            <a:cxnLst>
+              <a:cxn ang="0">
+                <a:pos x="connsiteX0" y="connsiteY0"/>
+              </a:cxn>
+              <a:cxn ang="0">
+                <a:pos x="connsiteX1" y="connsiteY1"/>
+              </a:cxn>
+              <a:cxn ang="0">
+                <a:pos x="connsiteX2" y="connsiteY2"/>
+              </a:cxn>
+              <a:cxn ang="0">
+                <a:pos x="connsiteX3" y="connsiteY3"/>
+              </a:cxn>
+            </a:cxnLst>
+            <a:rect l="l" t="t" r="r" b="b"/>
+            <a:pathLst>
+              <a:path w="2252133" h="1244600">
+                <a:moveTo>
+                  <a:pt x="0" y="1244600"/>
+                </a:moveTo>
+                <a:cubicBezTo>
+                  <a:pt x="254705" y="1116189"/>
+                  <a:pt x="509411" y="987778"/>
+                  <a:pt x="762000" y="846667"/>
+                </a:cubicBezTo>
+                <a:cubicBezTo>
+                  <a:pt x="1014589" y="705556"/>
+                  <a:pt x="1267178" y="539044"/>
+                  <a:pt x="1515533" y="397933"/>
+                </a:cubicBezTo>
+                <a:cubicBezTo>
+                  <a:pt x="1763888" y="256822"/>
+                  <a:pt x="2252133" y="0"/>
+                  <a:pt x="2252133" y="0"/>
+                </a:cubicBezTo>
+              </a:path>
+            </a:pathLst>
+          </a:custGeom>
+        </p:spPr>
+        <p:style>
+          <a:lnRef idx="3">
+            <a:schemeClr val="accent3"/>
+          </a:lnRef>
+          <a:fillRef idx="0">
+            <a:schemeClr val="accent3"/>
+          </a:fillRef>
+          <a:effectRef idx="2">
+            <a:schemeClr val="accent3"/>
+          </a:effectRef>
+          <a:fontRef idx="minor">
+            <a:schemeClr val="tx1"/>
+          </a:fontRef>
+        </p:style>
+        <p:txBody>
+          <a:bodyPr rtlCol="0" anchor="ctr"/>
+          <a:lstStyle/>
+          <a:p>
+            <a:pPr algn="ctr"/>
+            <a:endParaRPr lang="cs-CZ"/>
+          </a:p>
+        </p:txBody>
+      </p:sp>
+      <p:sp>
+        <p:nvSpPr>
+          <p:cNvPr id="16" name="TextBox 15"/>
+          <p:cNvSpPr txBox="1"/>
+          <p:nvPr/>
+        </p:nvSpPr>
+        <p:spPr>
+          <a:xfrm rot="16200000">
+            <a:off x="1989747" y="4633423"/>
+            <a:ext cx="883575" cy="215444"/>
+          </a:xfrm>
+          <a:prstGeom prst="rect">
+            <a:avLst/>
+          </a:prstGeom>
+          <a:noFill/>
+        </p:spPr>
+        <p:txBody>
+          <a:bodyPr wrap="none" rtlCol="0">
+            <a:spAutoFit/>
+          </a:bodyPr>
+          <a:lstStyle/>
+          <a:p>
+            <a:r>
+              <a:rPr lang="cs-CZ" sz="800" dirty="0" smtClean="0"/>
+              <a:t>Množství práce</a:t>
+            </a:r>
+            <a:endParaRPr lang="cs-CZ" sz="800" dirty="0"/>
+          </a:p>
+        </p:txBody>
+      </p:sp>
+      <p:sp>
+        <p:nvSpPr>
+          <p:cNvPr id="19" name="TextBox 18"/>
+          <p:cNvSpPr txBox="1"/>
+          <p:nvPr/>
+        </p:nvSpPr>
+        <p:spPr>
+          <a:xfrm>
+            <a:off x="3338124" y="5661248"/>
+            <a:ext cx="367408" cy="215444"/>
+          </a:xfrm>
+          <a:prstGeom prst="rect">
+            <a:avLst/>
+          </a:prstGeom>
+          <a:noFill/>
+        </p:spPr>
+        <p:txBody>
+          <a:bodyPr wrap="none" rtlCol="0">
+            <a:spAutoFit/>
+          </a:bodyPr>
+          <a:lstStyle/>
+          <a:p>
+            <a:r>
+              <a:rPr lang="cs-CZ" sz="800" dirty="0" smtClean="0"/>
+              <a:t>Čas</a:t>
+            </a:r>
+            <a:endParaRPr lang="cs-CZ" sz="800" dirty="0"/>
           </a:p>
         </p:txBody>
       </p:sp>

--- a/Prezentace/Prezentace2.pptx
+++ b/Prezentace/Prezentace2.pptx
@@ -8,9 +8,10 @@
     <p:sldId id="256" r:id="rId2"/>
     <p:sldId id="260" r:id="rId3"/>
     <p:sldId id="262" r:id="rId4"/>
-    <p:sldId id="257" r:id="rId5"/>
-    <p:sldId id="259" r:id="rId6"/>
-    <p:sldId id="263" r:id="rId7"/>
+    <p:sldId id="264" r:id="rId5"/>
+    <p:sldId id="265" r:id="rId6"/>
+    <p:sldId id="259" r:id="rId7"/>
+    <p:sldId id="263" r:id="rId8"/>
   </p:sldIdLst>
   <p:sldSz cx="9144000" cy="6858000" type="screen4x3"/>
   <p:notesSz cx="6858000" cy="9144000"/>
@@ -109,7 +110,27 @@
       </a:defRPr>
     </a:lvl9pPr>
   </p:defaultTextStyle>
+  <p:extLst>
+    <p:ext uri="{EFAFB233-063F-42B5-8137-9DF3F51BA10A}">
+      <p15:sldGuideLst xmlns:p15="http://schemas.microsoft.com/office/powerpoint/2012/main">
+        <p15:guide id="1" orient="horz" pos="2160">
+          <p15:clr>
+            <a:srgbClr val="A4A3A4"/>
+          </p15:clr>
+        </p15:guide>
+        <p15:guide id="2" pos="2880">
+          <p15:clr>
+            <a:srgbClr val="A4A3A4"/>
+          </p15:clr>
+        </p15:guide>
+      </p15:sldGuideLst>
+    </p:ext>
+  </p:extLst>
 </p:presentation>
+</file>
+
+<file path=ppt/revisionInfo.xml><?xml version="1.0" encoding="utf-8"?>
+<p1510:revInfo xmlns:a="http://schemas.openxmlformats.org/drawingml/2006/main" xmlns:r="http://schemas.openxmlformats.org/officeDocument/2006/relationships" xmlns:p1510="http://schemas.microsoft.com/office/powerpoint/2015/10/main"/>
 </file>
 
 <file path=ppt/slideLayouts/slideLayout1.xml><?xml version="1.0" encoding="utf-8"?>
@@ -163,7 +184,7 @@
           </a:lstStyle>
           <a:p>
             <a:r>
-              <a:rPr lang="en-US" smtClean="0"/>
+              <a:rPr lang="en-US"/>
               <a:t>Click to edit Master title style</a:t>
             </a:r>
             <a:endParaRPr lang="en-US" dirty="0"/>
@@ -281,7 +302,7 @@
           </a:lstStyle>
           <a:p>
             <a:r>
-              <a:rPr lang="en-US" smtClean="0"/>
+              <a:rPr lang="en-US"/>
               <a:t>Click to edit Master subtitle style</a:t>
             </a:r>
             <a:endParaRPr lang="en-US" dirty="0"/>
@@ -494,10 +515,9 @@
           <a:lstStyle/>
           <a:p>
             <a:r>
-              <a:rPr lang="en-US" smtClean="0"/>
+              <a:rPr lang="en-US"/>
               <a:t>Click to edit Master title style</a:t>
             </a:r>
-            <a:endParaRPr lang="en-US"/>
           </a:p>
         </p:txBody>
       </p:sp>
@@ -518,38 +538,37 @@
           <a:p>
             <a:pPr lvl="0"/>
             <a:r>
-              <a:rPr lang="en-US" smtClean="0"/>
+              <a:rPr lang="en-US"/>
               <a:t>Click to edit Master text styles</a:t>
             </a:r>
           </a:p>
           <a:p>
             <a:pPr lvl="1"/>
             <a:r>
-              <a:rPr lang="en-US" smtClean="0"/>
+              <a:rPr lang="en-US"/>
               <a:t>Second level</a:t>
             </a:r>
           </a:p>
           <a:p>
             <a:pPr lvl="2"/>
             <a:r>
-              <a:rPr lang="en-US" smtClean="0"/>
+              <a:rPr lang="en-US"/>
               <a:t>Third level</a:t>
             </a:r>
           </a:p>
           <a:p>
             <a:pPr lvl="3"/>
             <a:r>
-              <a:rPr lang="en-US" smtClean="0"/>
+              <a:rPr lang="en-US"/>
               <a:t>Fourth level</a:t>
             </a:r>
           </a:p>
           <a:p>
             <a:pPr lvl="4"/>
             <a:r>
-              <a:rPr lang="en-US" smtClean="0"/>
+              <a:rPr lang="en-US"/>
               <a:t>Fifth level</a:t>
             </a:r>
-            <a:endParaRPr lang="en-US"/>
           </a:p>
         </p:txBody>
       </p:sp>
@@ -664,10 +683,9 @@
           <a:lstStyle/>
           <a:p>
             <a:r>
-              <a:rPr lang="en-US" smtClean="0"/>
+              <a:rPr lang="en-US"/>
               <a:t>Click to edit Master title style</a:t>
             </a:r>
-            <a:endParaRPr lang="en-US"/>
           </a:p>
         </p:txBody>
       </p:sp>
@@ -693,38 +711,37 @@
           <a:p>
             <a:pPr lvl="0"/>
             <a:r>
-              <a:rPr lang="en-US" smtClean="0"/>
+              <a:rPr lang="en-US"/>
               <a:t>Click to edit Master text styles</a:t>
             </a:r>
           </a:p>
           <a:p>
             <a:pPr lvl="1"/>
             <a:r>
-              <a:rPr lang="en-US" smtClean="0"/>
+              <a:rPr lang="en-US"/>
               <a:t>Second level</a:t>
             </a:r>
           </a:p>
           <a:p>
             <a:pPr lvl="2"/>
             <a:r>
-              <a:rPr lang="en-US" smtClean="0"/>
+              <a:rPr lang="en-US"/>
               <a:t>Third level</a:t>
             </a:r>
           </a:p>
           <a:p>
             <a:pPr lvl="3"/>
             <a:r>
-              <a:rPr lang="en-US" smtClean="0"/>
+              <a:rPr lang="en-US"/>
               <a:t>Fourth level</a:t>
             </a:r>
           </a:p>
           <a:p>
             <a:pPr lvl="4"/>
             <a:r>
-              <a:rPr lang="en-US" smtClean="0"/>
+              <a:rPr lang="en-US"/>
               <a:t>Fifth level</a:t>
             </a:r>
-            <a:endParaRPr lang="en-US"/>
           </a:p>
         </p:txBody>
       </p:sp>
@@ -834,10 +851,9 @@
           <a:lstStyle/>
           <a:p>
             <a:r>
-              <a:rPr lang="en-US" smtClean="0"/>
+              <a:rPr lang="en-US"/>
               <a:t>Click to edit Master title style</a:t>
             </a:r>
-            <a:endParaRPr lang="en-US"/>
           </a:p>
         </p:txBody>
       </p:sp>
@@ -858,35 +874,35 @@
           <a:p>
             <a:pPr lvl="0"/>
             <a:r>
-              <a:rPr lang="en-US" smtClean="0"/>
+              <a:rPr lang="en-US"/>
               <a:t>Click to edit Master text styles</a:t>
             </a:r>
           </a:p>
           <a:p>
             <a:pPr lvl="1"/>
             <a:r>
-              <a:rPr lang="en-US" smtClean="0"/>
+              <a:rPr lang="en-US"/>
               <a:t>Second level</a:t>
             </a:r>
           </a:p>
           <a:p>
             <a:pPr lvl="2"/>
             <a:r>
-              <a:rPr lang="en-US" smtClean="0"/>
+              <a:rPr lang="en-US"/>
               <a:t>Third level</a:t>
             </a:r>
           </a:p>
           <a:p>
             <a:pPr lvl="3"/>
             <a:r>
-              <a:rPr lang="en-US" smtClean="0"/>
+              <a:rPr lang="en-US"/>
               <a:t>Fourth level</a:t>
             </a:r>
           </a:p>
           <a:p>
             <a:pPr lvl="4"/>
             <a:r>
-              <a:rPr lang="en-US" smtClean="0"/>
+              <a:rPr lang="en-US"/>
               <a:t>Fifth level</a:t>
             </a:r>
             <a:endParaRPr lang="en-US" dirty="0"/>
@@ -1017,7 +1033,7 @@
           </a:lstStyle>
           <a:p>
             <a:r>
-              <a:rPr lang="en-US" smtClean="0"/>
+              <a:rPr lang="en-US"/>
               <a:t>Click to edit Master title style</a:t>
             </a:r>
             <a:endParaRPr lang="en-US" dirty="0"/>
@@ -1136,7 +1152,7 @@
           <a:p>
             <a:pPr lvl="0"/>
             <a:r>
-              <a:rPr lang="en-US" smtClean="0"/>
+              <a:rPr lang="en-US"/>
               <a:t>Click to edit Master text styles</a:t>
             </a:r>
           </a:p>
@@ -1248,10 +1264,9 @@
           <a:lstStyle/>
           <a:p>
             <a:r>
-              <a:rPr lang="en-US" smtClean="0"/>
+              <a:rPr lang="en-US"/>
               <a:t>Click to edit Master title style</a:t>
             </a:r>
-            <a:endParaRPr lang="en-US"/>
           </a:p>
         </p:txBody>
       </p:sp>
@@ -1305,35 +1320,35 @@
           <a:p>
             <a:pPr lvl="0"/>
             <a:r>
-              <a:rPr lang="en-US" smtClean="0"/>
+              <a:rPr lang="en-US"/>
               <a:t>Click to edit Master text styles</a:t>
             </a:r>
           </a:p>
           <a:p>
             <a:pPr lvl="1"/>
             <a:r>
-              <a:rPr lang="en-US" smtClean="0"/>
+              <a:rPr lang="en-US"/>
               <a:t>Second level</a:t>
             </a:r>
           </a:p>
           <a:p>
             <a:pPr lvl="2"/>
             <a:r>
-              <a:rPr lang="en-US" smtClean="0"/>
+              <a:rPr lang="en-US"/>
               <a:t>Third level</a:t>
             </a:r>
           </a:p>
           <a:p>
             <a:pPr lvl="3"/>
             <a:r>
-              <a:rPr lang="en-US" smtClean="0"/>
+              <a:rPr lang="en-US"/>
               <a:t>Fourth level</a:t>
             </a:r>
           </a:p>
           <a:p>
             <a:pPr lvl="4"/>
             <a:r>
-              <a:rPr lang="en-US" smtClean="0"/>
+              <a:rPr lang="en-US"/>
               <a:t>Fifth level</a:t>
             </a:r>
             <a:endParaRPr lang="en-US" dirty="0"/>
@@ -1390,35 +1405,35 @@
           <a:p>
             <a:pPr lvl="0"/>
             <a:r>
-              <a:rPr lang="en-US" smtClean="0"/>
+              <a:rPr lang="en-US"/>
               <a:t>Click to edit Master text styles</a:t>
             </a:r>
           </a:p>
           <a:p>
             <a:pPr lvl="1"/>
             <a:r>
-              <a:rPr lang="en-US" smtClean="0"/>
+              <a:rPr lang="en-US"/>
               <a:t>Second level</a:t>
             </a:r>
           </a:p>
           <a:p>
             <a:pPr lvl="2"/>
             <a:r>
-              <a:rPr lang="en-US" smtClean="0"/>
+              <a:rPr lang="en-US"/>
               <a:t>Third level</a:t>
             </a:r>
           </a:p>
           <a:p>
             <a:pPr lvl="3"/>
             <a:r>
-              <a:rPr lang="en-US" smtClean="0"/>
+              <a:rPr lang="en-US"/>
               <a:t>Fourth level</a:t>
             </a:r>
           </a:p>
           <a:p>
             <a:pPr lvl="4"/>
             <a:r>
-              <a:rPr lang="en-US" smtClean="0"/>
+              <a:rPr lang="en-US"/>
               <a:t>Fifth level</a:t>
             </a:r>
             <a:endParaRPr lang="en-US" dirty="0"/>
@@ -1535,10 +1550,9 @@
           </a:lstStyle>
           <a:p>
             <a:r>
-              <a:rPr lang="en-US" smtClean="0"/>
+              <a:rPr lang="en-US"/>
               <a:t>Click to edit Master title style</a:t>
             </a:r>
-            <a:endParaRPr lang="en-US"/>
           </a:p>
         </p:txBody>
       </p:sp>
@@ -1608,7 +1622,7 @@
           <a:p>
             <a:pPr lvl="0"/>
             <a:r>
-              <a:rPr lang="en-US" smtClean="0"/>
+              <a:rPr lang="en-US"/>
               <a:t>Click to edit Master text styles</a:t>
             </a:r>
           </a:p>
@@ -1664,35 +1678,35 @@
           <a:p>
             <a:pPr lvl="0"/>
             <a:r>
-              <a:rPr lang="en-US" smtClean="0"/>
+              <a:rPr lang="en-US"/>
               <a:t>Click to edit Master text styles</a:t>
             </a:r>
           </a:p>
           <a:p>
             <a:pPr lvl="1"/>
             <a:r>
-              <a:rPr lang="en-US" smtClean="0"/>
+              <a:rPr lang="en-US"/>
               <a:t>Second level</a:t>
             </a:r>
           </a:p>
           <a:p>
             <a:pPr lvl="2"/>
             <a:r>
-              <a:rPr lang="en-US" smtClean="0"/>
+              <a:rPr lang="en-US"/>
               <a:t>Third level</a:t>
             </a:r>
           </a:p>
           <a:p>
             <a:pPr lvl="3"/>
             <a:r>
-              <a:rPr lang="en-US" smtClean="0"/>
+              <a:rPr lang="en-US"/>
               <a:t>Fourth level</a:t>
             </a:r>
           </a:p>
           <a:p>
             <a:pPr lvl="4"/>
             <a:r>
-              <a:rPr lang="en-US" smtClean="0"/>
+              <a:rPr lang="en-US"/>
               <a:t>Fifth level</a:t>
             </a:r>
             <a:endParaRPr lang="en-US" dirty="0"/>
@@ -1773,7 +1787,7 @@
               <a:buNone/>
             </a:pPr>
             <a:r>
-              <a:rPr lang="en-US" smtClean="0"/>
+              <a:rPr lang="en-US"/>
               <a:t>Click to edit Master text styles</a:t>
             </a:r>
           </a:p>
@@ -1829,35 +1843,35 @@
           <a:p>
             <a:pPr lvl="0"/>
             <a:r>
-              <a:rPr lang="en-US" smtClean="0"/>
+              <a:rPr lang="en-US"/>
               <a:t>Click to edit Master text styles</a:t>
             </a:r>
           </a:p>
           <a:p>
             <a:pPr lvl="1"/>
             <a:r>
-              <a:rPr lang="en-US" smtClean="0"/>
+              <a:rPr lang="en-US"/>
               <a:t>Second level</a:t>
             </a:r>
           </a:p>
           <a:p>
             <a:pPr lvl="2"/>
             <a:r>
-              <a:rPr lang="en-US" smtClean="0"/>
+              <a:rPr lang="en-US"/>
               <a:t>Third level</a:t>
             </a:r>
           </a:p>
           <a:p>
             <a:pPr lvl="3"/>
             <a:r>
-              <a:rPr lang="en-US" smtClean="0"/>
+              <a:rPr lang="en-US"/>
               <a:t>Fourth level</a:t>
             </a:r>
           </a:p>
           <a:p>
             <a:pPr lvl="4"/>
             <a:r>
-              <a:rPr lang="en-US" smtClean="0"/>
+              <a:rPr lang="en-US"/>
               <a:t>Fifth level</a:t>
             </a:r>
             <a:endParaRPr lang="en-US" dirty="0"/>
@@ -1970,10 +1984,9 @@
           <a:lstStyle/>
           <a:p>
             <a:r>
-              <a:rPr lang="en-US" smtClean="0"/>
+              <a:rPr lang="en-US"/>
               <a:t>Click to edit Master title style</a:t>
             </a:r>
-            <a:endParaRPr lang="en-US"/>
           </a:p>
         </p:txBody>
       </p:sp>
@@ -2207,35 +2220,35 @@
           <a:p>
             <a:pPr lvl="0"/>
             <a:r>
-              <a:rPr lang="en-US" smtClean="0"/>
+              <a:rPr lang="en-US"/>
               <a:t>Click to edit Master text styles</a:t>
             </a:r>
           </a:p>
           <a:p>
             <a:pPr lvl="1"/>
             <a:r>
-              <a:rPr lang="en-US" smtClean="0"/>
+              <a:rPr lang="en-US"/>
               <a:t>Second level</a:t>
             </a:r>
           </a:p>
           <a:p>
             <a:pPr lvl="2"/>
             <a:r>
-              <a:rPr lang="en-US" smtClean="0"/>
+              <a:rPr lang="en-US"/>
               <a:t>Third level</a:t>
             </a:r>
           </a:p>
           <a:p>
             <a:pPr lvl="3"/>
             <a:r>
-              <a:rPr lang="en-US" smtClean="0"/>
+              <a:rPr lang="en-US"/>
               <a:t>Fourth level</a:t>
             </a:r>
           </a:p>
           <a:p>
             <a:pPr lvl="4"/>
             <a:r>
-              <a:rPr lang="en-US" smtClean="0"/>
+              <a:rPr lang="en-US"/>
               <a:t>Fifth level</a:t>
             </a:r>
             <a:endParaRPr lang="en-US" dirty="0"/>
@@ -2303,7 +2316,7 @@
           <a:p>
             <a:pPr lvl="0"/>
             <a:r>
-              <a:rPr lang="en-US" smtClean="0"/>
+              <a:rPr lang="en-US"/>
               <a:t>Click to edit Master text styles</a:t>
             </a:r>
           </a:p>
@@ -2390,10 +2403,9 @@
           <a:lstStyle/>
           <a:p>
             <a:r>
-              <a:rPr lang="en-US" smtClean="0"/>
+              <a:rPr lang="en-US"/>
               <a:t>Click to edit Master title style</a:t>
             </a:r>
-            <a:endParaRPr lang="en-US"/>
           </a:p>
         </p:txBody>
       </p:sp>
@@ -2531,10 +2543,9 @@
           </a:lstStyle>
           <a:p>
             <a:r>
-              <a:rPr lang="en-US" smtClean="0"/>
+              <a:rPr lang="en-US"/>
               <a:t>Click icon to add picture</a:t>
             </a:r>
-            <a:endParaRPr lang="en-US"/>
           </a:p>
         </p:txBody>
       </p:sp>
@@ -2597,7 +2608,7 @@
           <a:p>
             <a:pPr lvl="0"/>
             <a:r>
-              <a:rPr lang="en-US" smtClean="0"/>
+              <a:rPr lang="en-US"/>
               <a:t>Click to edit Master text styles</a:t>
             </a:r>
           </a:p>
@@ -2703,7 +2714,7 @@
           </a:lstStyle>
           <a:p>
             <a:r>
-              <a:rPr lang="en-US" smtClean="0"/>
+              <a:rPr lang="en-US"/>
               <a:t>Click to edit Master title style</a:t>
             </a:r>
             <a:endParaRPr lang="en-US" dirty="0"/>
@@ -2812,7 +2823,7 @@
           <a:lstStyle/>
           <a:p>
             <a:r>
-              <a:rPr lang="en-US" smtClean="0"/>
+              <a:rPr lang="en-US"/>
               <a:t>Click to edit Master title style</a:t>
             </a:r>
             <a:endParaRPr lang="en-US" dirty="0"/>
@@ -2846,35 +2857,35 @@
           <a:p>
             <a:pPr lvl="0"/>
             <a:r>
-              <a:rPr lang="en-US" smtClean="0"/>
+              <a:rPr lang="en-US"/>
               <a:t>Click to edit Master text styles</a:t>
             </a:r>
           </a:p>
           <a:p>
             <a:pPr lvl="1"/>
             <a:r>
-              <a:rPr lang="en-US" smtClean="0"/>
+              <a:rPr lang="en-US"/>
               <a:t>Second level</a:t>
             </a:r>
           </a:p>
           <a:p>
             <a:pPr lvl="2"/>
             <a:r>
-              <a:rPr lang="en-US" smtClean="0"/>
+              <a:rPr lang="en-US"/>
               <a:t>Third level</a:t>
             </a:r>
           </a:p>
           <a:p>
             <a:pPr lvl="3"/>
             <a:r>
-              <a:rPr lang="en-US" smtClean="0"/>
+              <a:rPr lang="en-US"/>
               <a:t>Fourth level</a:t>
             </a:r>
           </a:p>
           <a:p>
             <a:pPr lvl="4"/>
             <a:r>
-              <a:rPr lang="en-US" smtClean="0"/>
+              <a:rPr lang="en-US"/>
               <a:t>Fifth level</a:t>
             </a:r>
             <a:endParaRPr lang="en-US" dirty="0"/>
@@ -3415,17 +3426,16 @@
           <a:lstStyle/>
           <a:p>
             <a:r>
-              <a:rPr lang="cs-CZ" sz="5400" dirty="0" smtClean="0"/>
+              <a:rPr lang="cs-CZ" sz="5400" dirty="0"/>
               <a:t>Závěrečná</a:t>
             </a:r>
             <a:br>
-              <a:rPr lang="cs-CZ" sz="5400" dirty="0" smtClean="0"/>
+              <a:rPr lang="cs-CZ" sz="5400" dirty="0"/>
             </a:br>
             <a:r>
-              <a:rPr lang="cs-CZ" sz="5400" dirty="0" smtClean="0"/>
+              <a:rPr lang="cs-CZ" sz="5400" dirty="0"/>
               <a:t>prezentace předmětu OS</a:t>
             </a:r>
-            <a:endParaRPr lang="cs-CZ" sz="5400" dirty="0"/>
           </a:p>
         </p:txBody>
       </p:sp>
@@ -3447,22 +3457,21 @@
           <a:lstStyle/>
           <a:p>
             <a:r>
-              <a:rPr lang="cs-CZ" dirty="0" smtClean="0"/>
+              <a:rPr lang="cs-CZ" dirty="0"/>
               <a:t>Jakub Váverka</a:t>
             </a:r>
           </a:p>
           <a:p>
             <a:r>
-              <a:rPr lang="cs-CZ" dirty="0" smtClean="0"/>
+              <a:rPr lang="cs-CZ" dirty="0"/>
               <a:t>David Bohmann</a:t>
             </a:r>
           </a:p>
           <a:p>
             <a:r>
-              <a:rPr lang="cs-CZ" dirty="0" smtClean="0"/>
+              <a:rPr lang="cs-CZ" dirty="0"/>
               <a:t>Václav Janoch</a:t>
             </a:r>
-            <a:endParaRPr lang="cs-CZ" dirty="0"/>
           </a:p>
         </p:txBody>
       </p:sp>
@@ -3476,13 +3485,6 @@
   <p:clrMapOvr>
     <a:masterClrMapping/>
   </p:clrMapOvr>
-  <p:timing>
-    <p:tnLst>
-      <p:par>
-        <p:cTn id="1" dur="indefinite" restart="never" nodeType="tmRoot"/>
-      </p:par>
-    </p:tnLst>
-  </p:timing>
 </p:sld>
 </file>
 
@@ -3519,18 +3521,9 @@
           <a:lstStyle/>
           <a:p>
             <a:r>
-              <a:rPr lang="cs-CZ" dirty="0" smtClean="0"/>
-              <a:t>Co JSME </a:t>
-            </a:r>
-            <a:r>
-              <a:rPr lang="cs-CZ" dirty="0" smtClean="0"/>
-              <a:t>už měli</a:t>
-            </a:r>
-            <a:r>
-              <a:rPr lang="cs-CZ" dirty="0" smtClean="0"/>
-              <a:t>?</a:t>
-            </a:r>
-            <a:endParaRPr lang="cs-CZ" dirty="0"/>
+              <a:rPr lang="cs-CZ" dirty="0"/>
+              <a:t>Co JSME už měli?</a:t>
+            </a:r>
           </a:p>
         </p:txBody>
       </p:sp>
@@ -3730,13 +3723,6 @@
   <p:clrMapOvr>
     <a:masterClrMapping/>
   </p:clrMapOvr>
-  <p:timing>
-    <p:tnLst>
-      <p:par>
-        <p:cTn id="1" dur="indefinite" restart="never" nodeType="tmRoot"/>
-      </p:par>
-    </p:tnLst>
-  </p:timing>
 </p:sld>
 </file>
 
@@ -3778,10 +3764,9 @@
           <a:lstStyle/>
           <a:p>
             <a:r>
-              <a:rPr lang="cs-CZ" dirty="0" smtClean="0"/>
+              <a:rPr lang="cs-CZ" dirty="0"/>
               <a:t>Jak to šlo?</a:t>
             </a:r>
-            <a:endParaRPr lang="cs-CZ" dirty="0"/>
           </a:p>
         </p:txBody>
       </p:sp>
@@ -3853,13 +3838,6 @@
   <p:clrMapOvr>
     <a:masterClrMapping/>
   </p:clrMapOvr>
-  <p:timing>
-    <p:tnLst>
-      <p:par>
-        <p:cTn id="1" dur="indefinite" restart="never" nodeType="tmRoot"/>
-      </p:par>
-    </p:tnLst>
-  </p:timing>
 </p:sld>
 </file>
 
@@ -3882,7 +3860,13 @@
       </p:grpSpPr>
       <p:sp>
         <p:nvSpPr>
-          <p:cNvPr id="2" name="Title 1"/>
+          <p:cNvPr id="2" name="Nadpis 1">
+            <a:extLst>
+              <a:ext uri="{FF2B5EF4-FFF2-40B4-BE49-F238E27FC236}">
+                <a16:creationId xmlns:a16="http://schemas.microsoft.com/office/drawing/2014/main" id="{5A703B58-ECAB-4C64-8B65-F4A1B879D504}"/>
+              </a:ext>
+            </a:extLst>
+          </p:cNvPr>
           <p:cNvSpPr>
             <a:spLocks noGrp="1"/>
           </p:cNvSpPr>
@@ -3896,8 +3880,8 @@
           <a:lstStyle/>
           <a:p>
             <a:r>
-              <a:rPr lang="cs-CZ" dirty="0" smtClean="0"/>
-              <a:t>CO jsme předělali?</a:t>
+              <a:rPr lang="en-US" dirty="0"/>
+              <a:t>Visual studio</a:t>
             </a:r>
             <a:endParaRPr lang="cs-CZ" dirty="0"/>
           </a:p>
@@ -3905,7 +3889,13 @@
       </p:sp>
       <p:sp>
         <p:nvSpPr>
-          <p:cNvPr id="3" name="Content Placeholder 2"/>
+          <p:cNvPr id="3" name="Zástupný symbol pro obsah 2">
+            <a:extLst>
+              <a:ext uri="{FF2B5EF4-FFF2-40B4-BE49-F238E27FC236}">
+                <a16:creationId xmlns:a16="http://schemas.microsoft.com/office/drawing/2014/main" id="{40BD4949-958F-49D8-9EE7-494C54B8F0B0}"/>
+              </a:ext>
+            </a:extLst>
+          </p:cNvPr>
           <p:cNvSpPr>
             <a:spLocks noGrp="1"/>
           </p:cNvSpPr>
@@ -3919,72 +3909,95 @@
           <a:lstStyle/>
           <a:p>
             <a:r>
-              <a:rPr lang="cs-CZ" dirty="0" smtClean="0"/>
-              <a:t>Refaktorizace</a:t>
-            </a:r>
-          </a:p>
-          <a:p>
-            <a:r>
-              <a:rPr lang="cs-CZ" dirty="0" smtClean="0"/>
-              <a:t>Dokumentace</a:t>
-            </a:r>
-          </a:p>
-          <a:p>
-            <a:r>
-              <a:rPr lang="cs-CZ" dirty="0" smtClean="0"/>
-              <a:t>Komentáře</a:t>
-            </a:r>
-          </a:p>
-          <a:p>
-            <a:r>
-              <a:rPr lang="cs-CZ" dirty="0" smtClean="0"/>
-              <a:t>Vytvoření projektu ve Visual Studiu</a:t>
-            </a:r>
-          </a:p>
-          <a:p>
-            <a:r>
-              <a:rPr lang="cs-CZ" dirty="0" smtClean="0"/>
-              <a:t>Testování v Visual Studiu</a:t>
-            </a:r>
-          </a:p>
-          <a:p>
-            <a:r>
-              <a:rPr lang="cs-CZ" dirty="0" smtClean="0"/>
-              <a:t>Switch </a:t>
-            </a:r>
-            <a:r>
-              <a:rPr lang="en-US" dirty="0" smtClean="0"/>
-              <a:t>-&gt; Pole </a:t>
-            </a:r>
-            <a:r>
-              <a:rPr lang="en-US" dirty="0" err="1" smtClean="0"/>
-              <a:t>ukazatel</a:t>
-            </a:r>
-            <a:r>
-              <a:rPr lang="cs-CZ" dirty="0" smtClean="0"/>
-              <a:t>ů na funkce</a:t>
-            </a:r>
+              <a:rPr lang="en-US" dirty="0" err="1"/>
+              <a:t>CLion</a:t>
+            </a:r>
+            <a:r>
+              <a:rPr lang="en-US" dirty="0"/>
+              <a:t> -&gt; Visual studio</a:t>
+            </a:r>
+          </a:p>
+          <a:p>
+            <a:endParaRPr lang="en-US" dirty="0"/>
+          </a:p>
+          <a:p>
+            <a:r>
+              <a:rPr lang="en-US" dirty="0" err="1">
+                <a:latin typeface="Consolas" panose="020B0609020204030204" pitchFamily="49" charset="0"/>
+              </a:rPr>
+              <a:t>fopen_s</a:t>
+            </a:r>
+            <a:r>
+              <a:rPr lang="en-US" dirty="0">
+                <a:latin typeface="Consolas" panose="020B0609020204030204" pitchFamily="49" charset="0"/>
+              </a:rPr>
+              <a:t>(&amp;</a:t>
+            </a:r>
+            <a:r>
+              <a:rPr lang="en-US" dirty="0" err="1">
+                <a:latin typeface="Consolas" panose="020B0609020204030204" pitchFamily="49" charset="0"/>
+              </a:rPr>
+              <a:t>file_pointer,filename</a:t>
+            </a:r>
+            <a:r>
+              <a:rPr lang="en-US" dirty="0">
+                <a:latin typeface="Consolas" panose="020B0609020204030204" pitchFamily="49" charset="0"/>
+              </a:rPr>
+              <a:t>, "</a:t>
+            </a:r>
+            <a:r>
+              <a:rPr lang="en-US" dirty="0" err="1">
+                <a:latin typeface="Consolas" panose="020B0609020204030204" pitchFamily="49" charset="0"/>
+              </a:rPr>
+              <a:t>rb</a:t>
+            </a:r>
+            <a:r>
+              <a:rPr lang="en-US" dirty="0">
+                <a:latin typeface="Consolas" panose="020B0609020204030204" pitchFamily="49" charset="0"/>
+              </a:rPr>
+              <a:t>");</a:t>
+            </a:r>
+          </a:p>
+          <a:p>
+            <a:endParaRPr lang="en-US" dirty="0">
+              <a:latin typeface="Consolas" panose="020B0609020204030204" pitchFamily="49" charset="0"/>
+            </a:endParaRPr>
+          </a:p>
+          <a:p>
+            <a:r>
+              <a:rPr lang="cs-CZ" dirty="0"/>
+              <a:t>Statická analýza kódu</a:t>
+            </a:r>
+          </a:p>
+          <a:p>
             <a:endParaRPr lang="cs-CZ" dirty="0"/>
+          </a:p>
+          <a:p>
+            <a:r>
+              <a:rPr lang="cs-CZ" dirty="0"/>
+              <a:t>Úplná optimalizace (\</a:t>
+            </a:r>
+            <a:r>
+              <a:rPr lang="cs-CZ" dirty="0" err="1"/>
+              <a:t>Ox</a:t>
+            </a:r>
+            <a:r>
+              <a:rPr lang="cs-CZ" dirty="0"/>
+              <a:t>)</a:t>
+            </a:r>
           </a:p>
         </p:txBody>
       </p:sp>
     </p:spTree>
     <p:extLst>
       <p:ext uri="{BB962C8B-B14F-4D97-AF65-F5344CB8AC3E}">
-        <p14:creationId xmlns:p14="http://schemas.microsoft.com/office/powerpoint/2010/main" val="3313693502"/>
+        <p14:creationId xmlns:p14="http://schemas.microsoft.com/office/powerpoint/2010/main" val="1637411722"/>
       </p:ext>
     </p:extLst>
   </p:cSld>
   <p:clrMapOvr>
     <a:masterClrMapping/>
   </p:clrMapOvr>
-  <p:timing>
-    <p:tnLst>
-      <p:par>
-        <p:cTn id="1" dur="indefinite" restart="never" nodeType="tmRoot"/>
-      </p:par>
-    </p:tnLst>
-  </p:timing>
 </p:sld>
 </file>
 
@@ -4007,6 +4020,116 @@
       </p:grpSpPr>
       <p:sp>
         <p:nvSpPr>
+          <p:cNvPr id="2" name="Nadpis 1">
+            <a:extLst>
+              <a:ext uri="{FF2B5EF4-FFF2-40B4-BE49-F238E27FC236}">
+                <a16:creationId xmlns:a16="http://schemas.microsoft.com/office/drawing/2014/main" id="{9263B420-B24B-4386-9FEA-CDEF093821F4}"/>
+              </a:ext>
+            </a:extLst>
+          </p:cNvPr>
+          <p:cNvSpPr>
+            <a:spLocks noGrp="1"/>
+          </p:cNvSpPr>
+          <p:nvPr>
+            <p:ph type="title"/>
+          </p:nvPr>
+        </p:nvSpPr>
+        <p:spPr/>
+        <p:txBody>
+          <a:bodyPr/>
+          <a:lstStyle/>
+          <a:p>
+            <a:r>
+              <a:rPr lang="cs-CZ" dirty="0"/>
+              <a:t>Co se změnilo?</a:t>
+            </a:r>
+          </a:p>
+        </p:txBody>
+      </p:sp>
+      <p:sp>
+        <p:nvSpPr>
+          <p:cNvPr id="3" name="Zástupný symbol pro obsah 2">
+            <a:extLst>
+              <a:ext uri="{FF2B5EF4-FFF2-40B4-BE49-F238E27FC236}">
+                <a16:creationId xmlns:a16="http://schemas.microsoft.com/office/drawing/2014/main" id="{3A27683D-BF6E-46DD-9655-3D5485D260C9}"/>
+              </a:ext>
+            </a:extLst>
+          </p:cNvPr>
+          <p:cNvSpPr>
+            <a:spLocks noGrp="1"/>
+          </p:cNvSpPr>
+          <p:nvPr>
+            <p:ph idx="1"/>
+          </p:nvPr>
+        </p:nvSpPr>
+        <p:spPr/>
+        <p:txBody>
+          <a:bodyPr/>
+          <a:lstStyle/>
+          <a:p>
+            <a:endParaRPr lang="cs-CZ" dirty="0"/>
+          </a:p>
+          <a:p>
+            <a:r>
+              <a:rPr lang="cs-CZ" dirty="0"/>
+              <a:t>Tabulka ukazatelů na funkci</a:t>
+            </a:r>
+          </a:p>
+          <a:p>
+            <a:endParaRPr lang="cs-CZ" dirty="0"/>
+          </a:p>
+          <a:p>
+            <a:r>
+              <a:rPr lang="cs-CZ" dirty="0"/>
+              <a:t>Komentáře</a:t>
+            </a:r>
+          </a:p>
+          <a:p>
+            <a:endParaRPr lang="cs-CZ" dirty="0"/>
+          </a:p>
+          <a:p>
+            <a:r>
+              <a:rPr lang="cs-CZ" dirty="0"/>
+              <a:t>Dokumentace</a:t>
+            </a:r>
+          </a:p>
+          <a:p>
+            <a:endParaRPr lang="cs-CZ" dirty="0"/>
+          </a:p>
+        </p:txBody>
+      </p:sp>
+    </p:spTree>
+    <p:extLst>
+      <p:ext uri="{BB962C8B-B14F-4D97-AF65-F5344CB8AC3E}">
+        <p14:creationId xmlns:p14="http://schemas.microsoft.com/office/powerpoint/2010/main" val="2941229236"/>
+      </p:ext>
+    </p:extLst>
+  </p:cSld>
+  <p:clrMapOvr>
+    <a:masterClrMapping/>
+  </p:clrMapOvr>
+</p:sld>
+</file>
+
+<file path=ppt/slides/slide6.xml><?xml version="1.0" encoding="utf-8"?>
+<p:sld xmlns:a="http://schemas.openxmlformats.org/drawingml/2006/main" xmlns:r="http://schemas.openxmlformats.org/officeDocument/2006/relationships" xmlns:p="http://schemas.openxmlformats.org/presentationml/2006/main">
+  <p:cSld>
+    <p:spTree>
+      <p:nvGrpSpPr>
+        <p:cNvPr id="1" name=""/>
+        <p:cNvGrpSpPr/>
+        <p:nvPr/>
+      </p:nvGrpSpPr>
+      <p:grpSpPr>
+        <a:xfrm>
+          <a:off x="0" y="0"/>
+          <a:ext cx="0" cy="0"/>
+          <a:chOff x="0" y="0"/>
+          <a:chExt cx="0" cy="0"/>
+        </a:xfrm>
+      </p:grpSpPr>
+      <p:sp>
+        <p:nvSpPr>
           <p:cNvPr id="2" name="Title 1"/>
           <p:cNvSpPr>
             <a:spLocks noGrp="1"/>
@@ -4021,10 +4144,9 @@
           <a:lstStyle/>
           <a:p>
             <a:r>
-              <a:rPr lang="cs-CZ" dirty="0" smtClean="0"/>
+              <a:rPr lang="cs-CZ" dirty="0"/>
               <a:t>Zhodnocení práce</a:t>
             </a:r>
-            <a:endParaRPr lang="cs-CZ" dirty="0"/>
           </a:p>
         </p:txBody>
       </p:sp>
@@ -4044,19 +4166,19 @@
           <a:lstStyle/>
           <a:p>
             <a:r>
-              <a:rPr lang="cs-CZ" dirty="0" smtClean="0"/>
+              <a:rPr lang="cs-CZ" dirty="0"/>
               <a:t>Špatné materiály</a:t>
             </a:r>
           </a:p>
           <a:p>
             <a:r>
-              <a:rPr lang="cs-CZ" dirty="0" smtClean="0"/>
+              <a:rPr lang="cs-CZ" dirty="0"/>
               <a:t>Oldschool technologie</a:t>
             </a:r>
           </a:p>
           <a:p>
             <a:r>
-              <a:rPr lang="cs-CZ" dirty="0" smtClean="0"/>
+              <a:rPr lang="cs-CZ" dirty="0"/>
               <a:t>Strmá křivka učení</a:t>
             </a:r>
           </a:p>
@@ -4500,10 +4622,9 @@
           <a:lstStyle/>
           <a:p>
             <a:r>
-              <a:rPr lang="cs-CZ" sz="800" dirty="0" smtClean="0"/>
+              <a:rPr lang="cs-CZ" sz="800" dirty="0"/>
               <a:t>Množství práce</a:t>
             </a:r>
-            <a:endParaRPr lang="cs-CZ" sz="800" dirty="0"/>
           </a:p>
         </p:txBody>
       </p:sp>
@@ -4530,10 +4651,9 @@
           <a:lstStyle/>
           <a:p>
             <a:r>
-              <a:rPr lang="cs-CZ" sz="800" dirty="0" smtClean="0"/>
+              <a:rPr lang="cs-CZ" sz="800" dirty="0"/>
               <a:t>Čas</a:t>
             </a:r>
-            <a:endParaRPr lang="cs-CZ" sz="800" dirty="0"/>
           </a:p>
         </p:txBody>
       </p:sp>
@@ -4547,17 +4667,10 @@
   <p:clrMapOvr>
     <a:masterClrMapping/>
   </p:clrMapOvr>
-  <p:timing>
-    <p:tnLst>
-      <p:par>
-        <p:cTn id="1" dur="indefinite" restart="never" nodeType="tmRoot"/>
-      </p:par>
-    </p:tnLst>
-  </p:timing>
 </p:sld>
 </file>
 
-<file path=ppt/slides/slide6.xml><?xml version="1.0" encoding="utf-8"?>
+<file path=ppt/slides/slide7.xml><?xml version="1.0" encoding="utf-8"?>
 <p:sld xmlns:a="http://schemas.openxmlformats.org/drawingml/2006/main" xmlns:r="http://schemas.openxmlformats.org/officeDocument/2006/relationships" xmlns:p="http://schemas.openxmlformats.org/presentationml/2006/main">
   <p:cSld>
     <p:spTree>
@@ -4595,10 +4708,9 @@
           <a:lstStyle/>
           <a:p>
             <a:r>
-              <a:rPr lang="cs-CZ" dirty="0" smtClean="0"/>
+              <a:rPr lang="cs-CZ" dirty="0"/>
               <a:t>Děkujeme vám za pozornost</a:t>
             </a:r>
-            <a:endParaRPr lang="cs-CZ" dirty="0"/>
           </a:p>
         </p:txBody>
       </p:sp>
@@ -4625,7 +4737,7 @@
           <a:lstStyle/>
           <a:p>
             <a:r>
-              <a:rPr lang="cs-CZ" dirty="0" smtClean="0"/>
+              <a:rPr lang="cs-CZ" dirty="0"/>
               <a:t>Nějaké otázky?</a:t>
             </a:r>
           </a:p>
@@ -4644,13 +4756,6 @@
   <p:clrMapOvr>
     <a:masterClrMapping/>
   </p:clrMapOvr>
-  <p:timing>
-    <p:tnLst>
-      <p:par>
-        <p:cTn id="1" dur="indefinite" restart="never" nodeType="tmRoot"/>
-      </p:par>
-    </p:tnLst>
-  </p:timing>
 </p:sld>
 </file>
 

--- a/Prezentace/Prezentace2.pptx
+++ b/Prezentace/Prezentace2.pptx
@@ -6,12 +6,13 @@
   </p:sldMasterIdLst>
   <p:sldIdLst>
     <p:sldId id="256" r:id="rId2"/>
-    <p:sldId id="260" r:id="rId3"/>
-    <p:sldId id="262" r:id="rId4"/>
-    <p:sldId id="264" r:id="rId5"/>
-    <p:sldId id="265" r:id="rId6"/>
-    <p:sldId id="259" r:id="rId7"/>
-    <p:sldId id="263" r:id="rId8"/>
+    <p:sldId id="266" r:id="rId3"/>
+    <p:sldId id="260" r:id="rId4"/>
+    <p:sldId id="262" r:id="rId5"/>
+    <p:sldId id="264" r:id="rId6"/>
+    <p:sldId id="265" r:id="rId7"/>
+    <p:sldId id="259" r:id="rId8"/>
+    <p:sldId id="263" r:id="rId9"/>
   </p:sldIdLst>
   <p:sldSz cx="9144000" cy="6858000" type="screen4x3"/>
   <p:notesSz cx="6858000" cy="9144000"/>
@@ -326,7 +327,7 @@
           <a:p>
             <a:fld id="{D6120B08-1585-444B-86CC-B7045DB4F7A5}" type="datetimeFigureOut">
               <a:rPr lang="cs-CZ" smtClean="0"/>
-              <a:t>07.12.2017</a:t>
+              <a:t>7.12.2017</a:t>
             </a:fld>
             <a:endParaRPr lang="cs-CZ"/>
           </a:p>
@@ -589,7 +590,7 @@
           <a:p>
             <a:fld id="{D6120B08-1585-444B-86CC-B7045DB4F7A5}" type="datetimeFigureOut">
               <a:rPr lang="cs-CZ" smtClean="0"/>
-              <a:t>07.12.2017</a:t>
+              <a:t>7.12.2017</a:t>
             </a:fld>
             <a:endParaRPr lang="cs-CZ"/>
           </a:p>
@@ -762,7 +763,7 @@
           <a:p>
             <a:fld id="{D6120B08-1585-444B-86CC-B7045DB4F7A5}" type="datetimeFigureOut">
               <a:rPr lang="cs-CZ" smtClean="0"/>
-              <a:t>07.12.2017</a:t>
+              <a:t>7.12.2017</a:t>
             </a:fld>
             <a:endParaRPr lang="cs-CZ"/>
           </a:p>
@@ -926,7 +927,7 @@
           <a:p>
             <a:fld id="{D6120B08-1585-444B-86CC-B7045DB4F7A5}" type="datetimeFigureOut">
               <a:rPr lang="cs-CZ" smtClean="0"/>
-              <a:t>07.12.2017</a:t>
+              <a:t>7.12.2017</a:t>
             </a:fld>
             <a:endParaRPr lang="cs-CZ"/>
           </a:p>
@@ -1175,7 +1176,7 @@
           <a:p>
             <a:fld id="{D6120B08-1585-444B-86CC-B7045DB4F7A5}" type="datetimeFigureOut">
               <a:rPr lang="cs-CZ" smtClean="0"/>
-              <a:t>07.12.2017</a:t>
+              <a:t>7.12.2017</a:t>
             </a:fld>
             <a:endParaRPr lang="cs-CZ"/>
           </a:p>
@@ -1457,7 +1458,7 @@
           <a:p>
             <a:fld id="{D6120B08-1585-444B-86CC-B7045DB4F7A5}" type="datetimeFigureOut">
               <a:rPr lang="cs-CZ" smtClean="0"/>
-              <a:t>07.12.2017</a:t>
+              <a:t>7.12.2017</a:t>
             </a:fld>
             <a:endParaRPr lang="cs-CZ"/>
           </a:p>
@@ -1895,7 +1896,7 @@
           <a:p>
             <a:fld id="{D6120B08-1585-444B-86CC-B7045DB4F7A5}" type="datetimeFigureOut">
               <a:rPr lang="cs-CZ" smtClean="0"/>
-              <a:t>07.12.2017</a:t>
+              <a:t>7.12.2017</a:t>
             </a:fld>
             <a:endParaRPr lang="cs-CZ"/>
           </a:p>
@@ -2007,7 +2008,7 @@
           <a:p>
             <a:fld id="{D6120B08-1585-444B-86CC-B7045DB4F7A5}" type="datetimeFigureOut">
               <a:rPr lang="cs-CZ" smtClean="0"/>
-              <a:t>07.12.2017</a:t>
+              <a:t>7.12.2017</a:t>
             </a:fld>
             <a:endParaRPr lang="cs-CZ"/>
           </a:p>
@@ -2097,7 +2098,7 @@
           <a:p>
             <a:fld id="{D6120B08-1585-444B-86CC-B7045DB4F7A5}" type="datetimeFigureOut">
               <a:rPr lang="cs-CZ" smtClean="0"/>
-              <a:t>07.12.2017</a:t>
+              <a:t>7.12.2017</a:t>
             </a:fld>
             <a:endParaRPr lang="cs-CZ"/>
           </a:p>
@@ -2339,7 +2340,7 @@
           <a:p>
             <a:fld id="{D6120B08-1585-444B-86CC-B7045DB4F7A5}" type="datetimeFigureOut">
               <a:rPr lang="cs-CZ" smtClean="0"/>
-              <a:t>07.12.2017</a:t>
+              <a:t>7.12.2017</a:t>
             </a:fld>
             <a:endParaRPr lang="cs-CZ"/>
           </a:p>
@@ -2631,7 +2632,7 @@
           <a:p>
             <a:fld id="{D6120B08-1585-444B-86CC-B7045DB4F7A5}" type="datetimeFigureOut">
               <a:rPr lang="cs-CZ" smtClean="0"/>
-              <a:t>07.12.2017</a:t>
+              <a:t>7.12.2017</a:t>
             </a:fld>
             <a:endParaRPr lang="cs-CZ"/>
           </a:p>
@@ -2925,7 +2926,7 @@
           <a:p>
             <a:fld id="{D6120B08-1585-444B-86CC-B7045DB4F7A5}" type="datetimeFigureOut">
               <a:rPr lang="cs-CZ" smtClean="0"/>
-              <a:t>07.12.2017</a:t>
+              <a:t>7.12.2017</a:t>
             </a:fld>
             <a:endParaRPr lang="cs-CZ"/>
           </a:p>
@@ -3507,6 +3508,146 @@
       </p:grpSpPr>
       <p:sp>
         <p:nvSpPr>
+          <p:cNvPr id="2" name="Nadpis 1">
+            <a:extLst>
+              <a:ext uri="{FF2B5EF4-FFF2-40B4-BE49-F238E27FC236}">
+                <a16:creationId xmlns:a16="http://schemas.microsoft.com/office/drawing/2014/main" id="{9263B420-B24B-4386-9FEA-CDEF093821F4}"/>
+              </a:ext>
+            </a:extLst>
+          </p:cNvPr>
+          <p:cNvSpPr>
+            <a:spLocks noGrp="1"/>
+          </p:cNvSpPr>
+          <p:nvPr>
+            <p:ph type="title"/>
+          </p:nvPr>
+        </p:nvSpPr>
+        <p:spPr/>
+        <p:txBody>
+          <a:bodyPr/>
+          <a:lstStyle/>
+          <a:p>
+            <a:r>
+              <a:rPr lang="cs-CZ" dirty="0"/>
+              <a:t>Rekapitulace</a:t>
+            </a:r>
+          </a:p>
+        </p:txBody>
+      </p:sp>
+      <p:sp>
+        <p:nvSpPr>
+          <p:cNvPr id="3" name="Zástupný symbol pro obsah 2">
+            <a:extLst>
+              <a:ext uri="{FF2B5EF4-FFF2-40B4-BE49-F238E27FC236}">
+                <a16:creationId xmlns:a16="http://schemas.microsoft.com/office/drawing/2014/main" id="{3A27683D-BF6E-46DD-9655-3D5485D260C9}"/>
+              </a:ext>
+            </a:extLst>
+          </p:cNvPr>
+          <p:cNvSpPr>
+            <a:spLocks noGrp="1"/>
+          </p:cNvSpPr>
+          <p:nvPr>
+            <p:ph idx="1"/>
+          </p:nvPr>
+        </p:nvSpPr>
+        <p:spPr/>
+        <p:txBody>
+          <a:bodyPr>
+            <a:normAutofit/>
+          </a:bodyPr>
+          <a:lstStyle/>
+          <a:p>
+            <a:r>
+              <a:rPr lang="cs-CZ" dirty="0"/>
+              <a:t>Zadání číslo 3 – simulace operační systému DOS</a:t>
+            </a:r>
+          </a:p>
+          <a:p>
+            <a:endParaRPr lang="cs-CZ" dirty="0"/>
+          </a:p>
+          <a:p>
+            <a:r>
+              <a:rPr lang="cs-CZ" dirty="0"/>
+              <a:t>Práce byla již téměř hotova</a:t>
+            </a:r>
+          </a:p>
+          <a:p>
+            <a:pPr marL="342900" indent="-342900">
+              <a:buFont typeface="Arial" panose="020B0604020202020204" pitchFamily="34" charset="0"/>
+              <a:buChar char="•"/>
+            </a:pPr>
+            <a:r>
+              <a:rPr lang="cs-CZ" dirty="0"/>
+              <a:t>Optimalizace</a:t>
+            </a:r>
+          </a:p>
+          <a:p>
+            <a:pPr marL="342900" indent="-342900">
+              <a:buFont typeface="Arial" panose="020B0604020202020204" pitchFamily="34" charset="0"/>
+              <a:buChar char="•"/>
+            </a:pPr>
+            <a:r>
+              <a:rPr lang="cs-CZ" dirty="0"/>
+              <a:t>Úpravy dle připomínek</a:t>
+            </a:r>
+          </a:p>
+          <a:p>
+            <a:pPr marL="800100" lvl="1" indent="-342900"/>
+            <a:r>
+              <a:rPr lang="cs-CZ" dirty="0"/>
+              <a:t>Switch-case -&gt; tabulka ukazatelů na funkce</a:t>
+            </a:r>
+          </a:p>
+          <a:p>
+            <a:pPr marL="342900" indent="-342900">
+              <a:buFont typeface="Arial" panose="020B0604020202020204" pitchFamily="34" charset="0"/>
+              <a:buChar char="•"/>
+            </a:pPr>
+            <a:r>
+              <a:rPr lang="cs-CZ" dirty="0"/>
+              <a:t>Komentáře, štábní kultura</a:t>
+            </a:r>
+          </a:p>
+          <a:p>
+            <a:endParaRPr lang="cs-CZ" dirty="0"/>
+          </a:p>
+          <a:p>
+            <a:endParaRPr lang="cs-CZ" dirty="0"/>
+          </a:p>
+        </p:txBody>
+      </p:sp>
+    </p:spTree>
+    <p:extLst>
+      <p:ext uri="{BB962C8B-B14F-4D97-AF65-F5344CB8AC3E}">
+        <p14:creationId xmlns:p14="http://schemas.microsoft.com/office/powerpoint/2010/main" val="1770209062"/>
+      </p:ext>
+    </p:extLst>
+  </p:cSld>
+  <p:clrMapOvr>
+    <a:masterClrMapping/>
+  </p:clrMapOvr>
+</p:sld>
+</file>
+
+<file path=ppt/slides/slide3.xml><?xml version="1.0" encoding="utf-8"?>
+<p:sld xmlns:a="http://schemas.openxmlformats.org/drawingml/2006/main" xmlns:r="http://schemas.openxmlformats.org/officeDocument/2006/relationships" xmlns:p="http://schemas.openxmlformats.org/presentationml/2006/main">
+  <p:cSld>
+    <p:spTree>
+      <p:nvGrpSpPr>
+        <p:cNvPr id="1" name=""/>
+        <p:cNvGrpSpPr/>
+        <p:nvPr/>
+      </p:nvGrpSpPr>
+      <p:grpSpPr>
+        <a:xfrm>
+          <a:off x="0" y="0"/>
+          <a:ext cx="0" cy="0"/>
+          <a:chOff x="0" y="0"/>
+          <a:chExt cx="0" cy="0"/>
+        </a:xfrm>
+      </p:grpSpPr>
+      <p:sp>
+        <p:nvSpPr>
           <p:cNvPr id="2" name="Title 1"/>
           <p:cNvSpPr>
             <a:spLocks noGrp="1"/>
@@ -3726,7 +3867,7 @@
 </p:sld>
 </file>
 
-<file path=ppt/slides/slide3.xml><?xml version="1.0" encoding="utf-8"?>
+<file path=ppt/slides/slide4.xml><?xml version="1.0" encoding="utf-8"?>
 <p:sld xmlns:a="http://schemas.openxmlformats.org/drawingml/2006/main" xmlns:r="http://schemas.openxmlformats.org/officeDocument/2006/relationships" xmlns:p="http://schemas.openxmlformats.org/presentationml/2006/main">
   <p:cSld>
     <p:spTree>
@@ -3841,166 +3982,6 @@
 </p:sld>
 </file>
 
-<file path=ppt/slides/slide4.xml><?xml version="1.0" encoding="utf-8"?>
-<p:sld xmlns:a="http://schemas.openxmlformats.org/drawingml/2006/main" xmlns:r="http://schemas.openxmlformats.org/officeDocument/2006/relationships" xmlns:p="http://schemas.openxmlformats.org/presentationml/2006/main">
-  <p:cSld>
-    <p:spTree>
-      <p:nvGrpSpPr>
-        <p:cNvPr id="1" name=""/>
-        <p:cNvGrpSpPr/>
-        <p:nvPr/>
-      </p:nvGrpSpPr>
-      <p:grpSpPr>
-        <a:xfrm>
-          <a:off x="0" y="0"/>
-          <a:ext cx="0" cy="0"/>
-          <a:chOff x="0" y="0"/>
-          <a:chExt cx="0" cy="0"/>
-        </a:xfrm>
-      </p:grpSpPr>
-      <p:sp>
-        <p:nvSpPr>
-          <p:cNvPr id="2" name="Nadpis 1">
-            <a:extLst>
-              <a:ext uri="{FF2B5EF4-FFF2-40B4-BE49-F238E27FC236}">
-                <a16:creationId xmlns:a16="http://schemas.microsoft.com/office/drawing/2014/main" id="{5A703B58-ECAB-4C64-8B65-F4A1B879D504}"/>
-              </a:ext>
-            </a:extLst>
-          </p:cNvPr>
-          <p:cNvSpPr>
-            <a:spLocks noGrp="1"/>
-          </p:cNvSpPr>
-          <p:nvPr>
-            <p:ph type="title"/>
-          </p:nvPr>
-        </p:nvSpPr>
-        <p:spPr/>
-        <p:txBody>
-          <a:bodyPr/>
-          <a:lstStyle/>
-          <a:p>
-            <a:r>
-              <a:rPr lang="en-US" dirty="0"/>
-              <a:t>Visual studio</a:t>
-            </a:r>
-            <a:endParaRPr lang="cs-CZ" dirty="0"/>
-          </a:p>
-        </p:txBody>
-      </p:sp>
-      <p:sp>
-        <p:nvSpPr>
-          <p:cNvPr id="3" name="Zástupný symbol pro obsah 2">
-            <a:extLst>
-              <a:ext uri="{FF2B5EF4-FFF2-40B4-BE49-F238E27FC236}">
-                <a16:creationId xmlns:a16="http://schemas.microsoft.com/office/drawing/2014/main" id="{40BD4949-958F-49D8-9EE7-494C54B8F0B0}"/>
-              </a:ext>
-            </a:extLst>
-          </p:cNvPr>
-          <p:cNvSpPr>
-            <a:spLocks noGrp="1"/>
-          </p:cNvSpPr>
-          <p:nvPr>
-            <p:ph idx="1"/>
-          </p:nvPr>
-        </p:nvSpPr>
-        <p:spPr/>
-        <p:txBody>
-          <a:bodyPr/>
-          <a:lstStyle/>
-          <a:p>
-            <a:r>
-              <a:rPr lang="en-US" dirty="0" err="1"/>
-              <a:t>CLion</a:t>
-            </a:r>
-            <a:r>
-              <a:rPr lang="en-US" dirty="0"/>
-              <a:t> -&gt; Visual studio</a:t>
-            </a:r>
-          </a:p>
-          <a:p>
-            <a:endParaRPr lang="en-US" dirty="0"/>
-          </a:p>
-          <a:p>
-            <a:r>
-              <a:rPr lang="en-US" dirty="0" err="1">
-                <a:latin typeface="Consolas" panose="020B0609020204030204" pitchFamily="49" charset="0"/>
-              </a:rPr>
-              <a:t>fopen_s</a:t>
-            </a:r>
-            <a:r>
-              <a:rPr lang="en-US" dirty="0">
-                <a:latin typeface="Consolas" panose="020B0609020204030204" pitchFamily="49" charset="0"/>
-              </a:rPr>
-              <a:t>(&amp;</a:t>
-            </a:r>
-            <a:r>
-              <a:rPr lang="en-US" dirty="0" err="1">
-                <a:latin typeface="Consolas" panose="020B0609020204030204" pitchFamily="49" charset="0"/>
-              </a:rPr>
-              <a:t>file_pointer,filename</a:t>
-            </a:r>
-            <a:r>
-              <a:rPr lang="en-US" dirty="0">
-                <a:latin typeface="Consolas" panose="020B0609020204030204" pitchFamily="49" charset="0"/>
-              </a:rPr>
-              <a:t>, "</a:t>
-            </a:r>
-            <a:r>
-              <a:rPr lang="en-US" dirty="0" err="1">
-                <a:latin typeface="Consolas" panose="020B0609020204030204" pitchFamily="49" charset="0"/>
-              </a:rPr>
-              <a:t>rb</a:t>
-            </a:r>
-            <a:r>
-              <a:rPr lang="en-US" dirty="0">
-                <a:latin typeface="Consolas" panose="020B0609020204030204" pitchFamily="49" charset="0"/>
-              </a:rPr>
-              <a:t>");</a:t>
-            </a:r>
-          </a:p>
-          <a:p>
-            <a:endParaRPr lang="en-US" dirty="0">
-              <a:latin typeface="Consolas" panose="020B0609020204030204" pitchFamily="49" charset="0"/>
-            </a:endParaRPr>
-          </a:p>
-          <a:p>
-            <a:r>
-              <a:rPr lang="cs-CZ" dirty="0"/>
-              <a:t>Statická analýza kódu</a:t>
-            </a:r>
-          </a:p>
-          <a:p>
-            <a:endParaRPr lang="cs-CZ" dirty="0"/>
-          </a:p>
-          <a:p>
-            <a:r>
-              <a:rPr lang="cs-CZ" dirty="0"/>
-              <a:t>Úplná optimalizace (\</a:t>
-            </a:r>
-            <a:r>
-              <a:rPr lang="cs-CZ" dirty="0" err="1"/>
-              <a:t>Ox</a:t>
-            </a:r>
-            <a:r>
-              <a:rPr lang="cs-CZ" dirty="0"/>
-              <a:t>)</a:t>
-            </a:r>
-          </a:p>
-        </p:txBody>
-      </p:sp>
-    </p:spTree>
-    <p:extLst>
-      <p:ext uri="{BB962C8B-B14F-4D97-AF65-F5344CB8AC3E}">
-        <p14:creationId xmlns:p14="http://schemas.microsoft.com/office/powerpoint/2010/main" val="1637411722"/>
-      </p:ext>
-    </p:extLst>
-  </p:cSld>
-  <p:clrMapOvr>
-    <a:masterClrMapping/>
-  </p:clrMapOvr>
-</p:sld>
-</file>
-
 <file path=ppt/slides/slide5.xml><?xml version="1.0" encoding="utf-8"?>
 <p:sld xmlns:a="http://schemas.openxmlformats.org/drawingml/2006/main" xmlns:r="http://schemas.openxmlformats.org/officeDocument/2006/relationships" xmlns:p="http://schemas.openxmlformats.org/presentationml/2006/main">
   <p:cSld>
@@ -4023,6 +4004,166 @@
           <p:cNvPr id="2" name="Nadpis 1">
             <a:extLst>
               <a:ext uri="{FF2B5EF4-FFF2-40B4-BE49-F238E27FC236}">
+                <a16:creationId xmlns:a16="http://schemas.microsoft.com/office/drawing/2014/main" id="{5A703B58-ECAB-4C64-8B65-F4A1B879D504}"/>
+              </a:ext>
+            </a:extLst>
+          </p:cNvPr>
+          <p:cNvSpPr>
+            <a:spLocks noGrp="1"/>
+          </p:cNvSpPr>
+          <p:nvPr>
+            <p:ph type="title"/>
+          </p:nvPr>
+        </p:nvSpPr>
+        <p:spPr/>
+        <p:txBody>
+          <a:bodyPr/>
+          <a:lstStyle/>
+          <a:p>
+            <a:r>
+              <a:rPr lang="en-US" dirty="0"/>
+              <a:t>Visual studio</a:t>
+            </a:r>
+            <a:endParaRPr lang="cs-CZ" dirty="0"/>
+          </a:p>
+        </p:txBody>
+      </p:sp>
+      <p:sp>
+        <p:nvSpPr>
+          <p:cNvPr id="3" name="Zástupný symbol pro obsah 2">
+            <a:extLst>
+              <a:ext uri="{FF2B5EF4-FFF2-40B4-BE49-F238E27FC236}">
+                <a16:creationId xmlns:a16="http://schemas.microsoft.com/office/drawing/2014/main" id="{40BD4949-958F-49D8-9EE7-494C54B8F0B0}"/>
+              </a:ext>
+            </a:extLst>
+          </p:cNvPr>
+          <p:cNvSpPr>
+            <a:spLocks noGrp="1"/>
+          </p:cNvSpPr>
+          <p:nvPr>
+            <p:ph idx="1"/>
+          </p:nvPr>
+        </p:nvSpPr>
+        <p:spPr/>
+        <p:txBody>
+          <a:bodyPr/>
+          <a:lstStyle/>
+          <a:p>
+            <a:r>
+              <a:rPr lang="en-US" dirty="0" err="1"/>
+              <a:t>CLion</a:t>
+            </a:r>
+            <a:r>
+              <a:rPr lang="en-US" dirty="0"/>
+              <a:t> -&gt; Visual studio</a:t>
+            </a:r>
+          </a:p>
+          <a:p>
+            <a:endParaRPr lang="en-US" dirty="0"/>
+          </a:p>
+          <a:p>
+            <a:r>
+              <a:rPr lang="en-US" dirty="0" err="1">
+                <a:latin typeface="Consolas" panose="020B0609020204030204" pitchFamily="49" charset="0"/>
+              </a:rPr>
+              <a:t>fopen_s</a:t>
+            </a:r>
+            <a:r>
+              <a:rPr lang="en-US" dirty="0">
+                <a:latin typeface="Consolas" panose="020B0609020204030204" pitchFamily="49" charset="0"/>
+              </a:rPr>
+              <a:t>(&amp;</a:t>
+            </a:r>
+            <a:r>
+              <a:rPr lang="en-US" dirty="0" err="1">
+                <a:latin typeface="Consolas" panose="020B0609020204030204" pitchFamily="49" charset="0"/>
+              </a:rPr>
+              <a:t>file_pointer,filename</a:t>
+            </a:r>
+            <a:r>
+              <a:rPr lang="en-US" dirty="0">
+                <a:latin typeface="Consolas" panose="020B0609020204030204" pitchFamily="49" charset="0"/>
+              </a:rPr>
+              <a:t>, "</a:t>
+            </a:r>
+            <a:r>
+              <a:rPr lang="en-US" dirty="0" err="1">
+                <a:latin typeface="Consolas" panose="020B0609020204030204" pitchFamily="49" charset="0"/>
+              </a:rPr>
+              <a:t>rb</a:t>
+            </a:r>
+            <a:r>
+              <a:rPr lang="en-US" dirty="0">
+                <a:latin typeface="Consolas" panose="020B0609020204030204" pitchFamily="49" charset="0"/>
+              </a:rPr>
+              <a:t>");</a:t>
+            </a:r>
+          </a:p>
+          <a:p>
+            <a:endParaRPr lang="en-US" dirty="0">
+              <a:latin typeface="Consolas" panose="020B0609020204030204" pitchFamily="49" charset="0"/>
+            </a:endParaRPr>
+          </a:p>
+          <a:p>
+            <a:r>
+              <a:rPr lang="cs-CZ" dirty="0"/>
+              <a:t>Statická analýza kódu</a:t>
+            </a:r>
+          </a:p>
+          <a:p>
+            <a:endParaRPr lang="cs-CZ" dirty="0"/>
+          </a:p>
+          <a:p>
+            <a:r>
+              <a:rPr lang="cs-CZ" dirty="0"/>
+              <a:t>Úplná optimalizace (\</a:t>
+            </a:r>
+            <a:r>
+              <a:rPr lang="cs-CZ" dirty="0" err="1"/>
+              <a:t>Ox</a:t>
+            </a:r>
+            <a:r>
+              <a:rPr lang="cs-CZ" dirty="0"/>
+              <a:t>)</a:t>
+            </a:r>
+          </a:p>
+        </p:txBody>
+      </p:sp>
+    </p:spTree>
+    <p:extLst>
+      <p:ext uri="{BB962C8B-B14F-4D97-AF65-F5344CB8AC3E}">
+        <p14:creationId xmlns:p14="http://schemas.microsoft.com/office/powerpoint/2010/main" val="1637411722"/>
+      </p:ext>
+    </p:extLst>
+  </p:cSld>
+  <p:clrMapOvr>
+    <a:masterClrMapping/>
+  </p:clrMapOvr>
+</p:sld>
+</file>
+
+<file path=ppt/slides/slide6.xml><?xml version="1.0" encoding="utf-8"?>
+<p:sld xmlns:a="http://schemas.openxmlformats.org/drawingml/2006/main" xmlns:r="http://schemas.openxmlformats.org/officeDocument/2006/relationships" xmlns:p="http://schemas.openxmlformats.org/presentationml/2006/main">
+  <p:cSld>
+    <p:spTree>
+      <p:nvGrpSpPr>
+        <p:cNvPr id="1" name=""/>
+        <p:cNvGrpSpPr/>
+        <p:nvPr/>
+      </p:nvGrpSpPr>
+      <p:grpSpPr>
+        <a:xfrm>
+          <a:off x="0" y="0"/>
+          <a:ext cx="0" cy="0"/>
+          <a:chOff x="0" y="0"/>
+          <a:chExt cx="0" cy="0"/>
+        </a:xfrm>
+      </p:grpSpPr>
+      <p:sp>
+        <p:nvSpPr>
+          <p:cNvPr id="2" name="Nadpis 1">
+            <a:extLst>
+              <a:ext uri="{FF2B5EF4-FFF2-40B4-BE49-F238E27FC236}">
                 <a16:creationId xmlns:a16="http://schemas.microsoft.com/office/drawing/2014/main" id="{9263B420-B24B-4386-9FEA-CDEF093821F4}"/>
               </a:ext>
             </a:extLst>
@@ -4111,7 +4252,7 @@
 </p:sld>
 </file>
 
-<file path=ppt/slides/slide6.xml><?xml version="1.0" encoding="utf-8"?>
+<file path=ppt/slides/slide7.xml><?xml version="1.0" encoding="utf-8"?>
 <p:sld xmlns:a="http://schemas.openxmlformats.org/drawingml/2006/main" xmlns:r="http://schemas.openxmlformats.org/officeDocument/2006/relationships" xmlns:p="http://schemas.openxmlformats.org/presentationml/2006/main">
   <p:cSld>
     <p:spTree>
@@ -4670,7 +4811,7 @@
 </p:sld>
 </file>
 
-<file path=ppt/slides/slide7.xml><?xml version="1.0" encoding="utf-8"?>
+<file path=ppt/slides/slide8.xml><?xml version="1.0" encoding="utf-8"?>
 <p:sld xmlns:a="http://schemas.openxmlformats.org/drawingml/2006/main" xmlns:r="http://schemas.openxmlformats.org/officeDocument/2006/relationships" xmlns:p="http://schemas.openxmlformats.org/presentationml/2006/main">
   <p:cSld>
     <p:spTree>
